--- a/dio-dashboard-financeiro-01.pptx
+++ b/dio-dashboard-financeiro-01.pptx
@@ -4710,7 +4710,7 @@
                 <a:ea typeface="Segoe UI" charset="0"/>
                 <a:cs typeface="Segoe UI" charset="0"/>
               </a:rPr>
-              <a:t>10/10/2023 16:34:54 UTC</a:t>
+              <a:t>10/10/2023 17:33:44 UTC</a:t>
             </a:r>
           </a:p>
         </p:txBody>
@@ -4767,7 +4767,7 @@
                 <a:ea typeface="Segoe UI" charset="0"/>
                 <a:cs typeface="Segoe UI" charset="0"/>
               </a:rPr>
-              <a:t>10/10/2023 16:31:46 UTC</a:t>
+              <a:t>10/10/2023 17:17:29 UTC</a:t>
             </a:r>
             <a:endParaRPr lang="en-US" sz="900" b="0" i="0" dirty="0">
               <a:solidFill>
@@ -4880,7 +4880,7 @@
           <p:nvPr/>
         </p:nvPicPr>
         <p:blipFill>
-          <a:blip xmlns:r="http://schemas.openxmlformats.org/officeDocument/2006/relationships" xmlns:a="http://schemas.openxmlformats.org/drawingml/2006/main" r:embed="imgId147741496"/>
+          <a:blip xmlns:r="http://schemas.openxmlformats.org/officeDocument/2006/relationships" xmlns:a="http://schemas.openxmlformats.org/drawingml/2006/main" r:embed="imgId147759106"/>
           <a:stretch xmlns:a="http://schemas.openxmlformats.org/drawingml/2006/main">
             <a:fillRect/>
           </a:stretch>
@@ -4946,7 +4946,7 @@
           <p:nvPr/>
         </p:nvPicPr>
         <p:blipFill>
-          <a:blip xmlns:r="http://schemas.openxmlformats.org/officeDocument/2006/relationships" xmlns:a="http://schemas.openxmlformats.org/drawingml/2006/main" r:embed="imgId147741497"/>
+          <a:blip xmlns:r="http://schemas.openxmlformats.org/officeDocument/2006/relationships" xmlns:a="http://schemas.openxmlformats.org/drawingml/2006/main" r:embed="imgId147759107"/>
           <a:stretch xmlns:a="http://schemas.openxmlformats.org/drawingml/2006/main">
             <a:fillRect/>
           </a:stretch>
